--- a/12Ajax-Enabled.pptx
+++ b/12Ajax-Enabled.pptx
@@ -14,7 +14,7 @@
     <p:sldId id="262" r:id="rId5"/>
     <p:sldId id="261" r:id="rId6"/>
     <p:sldId id="268" r:id="rId7"/>
-    <p:sldId id="277" r:id="rId8"/>
+    <p:sldId id="269" r:id="rId8"/>
   </p:sldIdLst>
   <p:sldSz cx="12192000" cy="6858000"/>
   <p:notesSz cx="6858000" cy="9144000"/>
@@ -203,7 +203,7 @@
           <a:p>
             <a:fld id="{86035F98-A1BD-4CEA-97BE-8B0B3D35457A}" type="datetimeFigureOut">
               <a:rPr lang="de-DE" smtClean="0"/>
-              <a:t>02.06.2017</a:t>
+              <a:t>07.06.2018</a:t>
             </a:fld>
             <a:endParaRPr lang="de-DE"/>
           </a:p>
@@ -3216,7 +3216,7 @@
           <a:p>
             <a:fld id="{D92B96C3-1F42-476F-BF68-0478C74608EE}" type="datetimeFigureOut">
               <a:rPr lang="de-DE" smtClean="0"/>
-              <a:t>02.06.2017</a:t>
+              <a:t>07.06.2018</a:t>
             </a:fld>
             <a:endParaRPr lang="de-DE"/>
           </a:p>
@@ -3384,7 +3384,7 @@
           <a:p>
             <a:fld id="{D92B96C3-1F42-476F-BF68-0478C74608EE}" type="datetimeFigureOut">
               <a:rPr lang="de-DE" smtClean="0"/>
-              <a:t>02.06.2017</a:t>
+              <a:t>07.06.2018</a:t>
             </a:fld>
             <a:endParaRPr lang="de-DE"/>
           </a:p>
@@ -3562,7 +3562,7 @@
           <a:p>
             <a:fld id="{D92B96C3-1F42-476F-BF68-0478C74608EE}" type="datetimeFigureOut">
               <a:rPr lang="de-DE" smtClean="0"/>
-              <a:t>02.06.2017</a:t>
+              <a:t>07.06.2018</a:t>
             </a:fld>
             <a:endParaRPr lang="de-DE"/>
           </a:p>
@@ -3730,7 +3730,7 @@
           <a:p>
             <a:fld id="{D92B96C3-1F42-476F-BF68-0478C74608EE}" type="datetimeFigureOut">
               <a:rPr lang="de-DE" smtClean="0"/>
-              <a:t>02.06.2017</a:t>
+              <a:t>07.06.2018</a:t>
             </a:fld>
             <a:endParaRPr lang="de-DE"/>
           </a:p>
@@ -3975,7 +3975,7 @@
           <a:p>
             <a:fld id="{D92B96C3-1F42-476F-BF68-0478C74608EE}" type="datetimeFigureOut">
               <a:rPr lang="de-DE" smtClean="0"/>
-              <a:t>02.06.2017</a:t>
+              <a:t>07.06.2018</a:t>
             </a:fld>
             <a:endParaRPr lang="de-DE"/>
           </a:p>
@@ -4204,7 +4204,7 @@
           <a:p>
             <a:fld id="{D92B96C3-1F42-476F-BF68-0478C74608EE}" type="datetimeFigureOut">
               <a:rPr lang="de-DE" smtClean="0"/>
-              <a:t>02.06.2017</a:t>
+              <a:t>07.06.2018</a:t>
             </a:fld>
             <a:endParaRPr lang="de-DE"/>
           </a:p>
@@ -4568,7 +4568,7 @@
           <a:p>
             <a:fld id="{D92B96C3-1F42-476F-BF68-0478C74608EE}" type="datetimeFigureOut">
               <a:rPr lang="de-DE" smtClean="0"/>
-              <a:t>02.06.2017</a:t>
+              <a:t>07.06.2018</a:t>
             </a:fld>
             <a:endParaRPr lang="de-DE"/>
           </a:p>
@@ -4685,7 +4685,7 @@
           <a:p>
             <a:fld id="{D92B96C3-1F42-476F-BF68-0478C74608EE}" type="datetimeFigureOut">
               <a:rPr lang="de-DE" smtClean="0"/>
-              <a:t>02.06.2017</a:t>
+              <a:t>07.06.2018</a:t>
             </a:fld>
             <a:endParaRPr lang="de-DE"/>
           </a:p>
@@ -4780,7 +4780,7 @@
           <a:p>
             <a:fld id="{D92B96C3-1F42-476F-BF68-0478C74608EE}" type="datetimeFigureOut">
               <a:rPr lang="de-DE" smtClean="0"/>
-              <a:t>02.06.2017</a:t>
+              <a:t>07.06.2018</a:t>
             </a:fld>
             <a:endParaRPr lang="de-DE"/>
           </a:p>
@@ -5055,7 +5055,7 @@
           <a:p>
             <a:fld id="{D92B96C3-1F42-476F-BF68-0478C74608EE}" type="datetimeFigureOut">
               <a:rPr lang="de-DE" smtClean="0"/>
-              <a:t>02.06.2017</a:t>
+              <a:t>07.06.2018</a:t>
             </a:fld>
             <a:endParaRPr lang="de-DE"/>
           </a:p>
@@ -5307,7 +5307,7 @@
           <a:p>
             <a:fld id="{D92B96C3-1F42-476F-BF68-0478C74608EE}" type="datetimeFigureOut">
               <a:rPr lang="de-DE" smtClean="0"/>
-              <a:t>02.06.2017</a:t>
+              <a:t>07.06.2018</a:t>
             </a:fld>
             <a:endParaRPr lang="de-DE"/>
           </a:p>
@@ -5518,7 +5518,7 @@
           <a:p>
             <a:fld id="{D92B96C3-1F42-476F-BF68-0478C74608EE}" type="datetimeFigureOut">
               <a:rPr lang="de-DE" smtClean="0"/>
-              <a:t>02.06.2017</a:t>
+              <a:t>07.06.2018</a:t>
             </a:fld>
             <a:endParaRPr lang="de-DE"/>
           </a:p>
@@ -7487,16 +7487,16 @@
               <a:t>&lt;</a:t>
             </a:r>
             <a:r>
-              <a:rPr lang="de-DE" altLang="de-DE" sz="1600" dirty="0" err="1">
+              <a:rPr lang="de-DE" altLang="de-DE" sz="1600" dirty="0" err="1" smtClean="0">
                 <a:solidFill>
                   <a:srgbClr val="800000"/>
                 </a:solidFill>
                 <a:latin typeface="Consolas" panose="020B0609020204030204" pitchFamily="49" charset="0"/>
               </a:rPr>
-              <a:t>asp:Scriptreferzent</a:t>
-            </a:r>
-            <a:r>
-              <a:rPr lang="de-DE" altLang="de-DE" sz="1600" dirty="0">
+              <a:t>asp:Scriptreference</a:t>
+            </a:r>
+            <a:r>
+              <a:rPr lang="de-DE" altLang="de-DE" sz="1600" dirty="0" smtClean="0">
                 <a:solidFill>
                   <a:srgbClr val="800000"/>
                 </a:solidFill>
@@ -9504,31 +9504,190 @@
           <a:lstStyle/>
           <a:p>
             <a:r>
-              <a:rPr lang="de-DE" dirty="0" smtClean="0"/>
-              <a:t>Ajax Control Toolkit</a:t>
+              <a:rPr lang="de-DE" dirty="0" err="1" smtClean="0"/>
+              <a:t>JQuery</a:t>
             </a:r>
             <a:endParaRPr lang="de-DE" dirty="0"/>
           </a:p>
         </p:txBody>
       </p:sp>
-      <p:sp>
-        <p:nvSpPr>
-          <p:cNvPr id="3" name="Inhaltsplatzhalter 2"/>
-          <p:cNvSpPr>
-            <a:spLocks noGrp="1"/>
-          </p:cNvSpPr>
+      <p:pic>
+        <p:nvPicPr>
+          <p:cNvPr id="5" name="Inhaltsplatzhalter 4"/>
+          <p:cNvPicPr>
+            <a:picLocks noGrp="1" noChangeAspect="1"/>
+          </p:cNvPicPr>
           <p:nvPr>
             <p:ph idx="1"/>
           </p:nvPr>
-        </p:nvSpPr>
-        <p:spPr/>
-        <p:txBody>
-          <a:bodyPr/>
+        </p:nvPicPr>
+        <p:blipFill>
+          <a:blip r:embed="rId2"/>
+          <a:stretch>
+            <a:fillRect/>
+          </a:stretch>
+        </p:blipFill>
+        <p:spPr>
+          <a:xfrm>
+            <a:off x="838200" y="1400495"/>
+            <a:ext cx="7696200" cy="2305050"/>
+          </a:xfrm>
+          <a:prstGeom prst="rect">
+            <a:avLst/>
+          </a:prstGeom>
+        </p:spPr>
+      </p:pic>
+      <p:sp>
+        <p:nvSpPr>
+          <p:cNvPr id="4" name="Rechteck 3"/>
+          <p:cNvSpPr/>
+          <p:nvPr/>
+        </p:nvSpPr>
+        <p:spPr>
+          <a:xfrm>
+            <a:off x="5808239" y="2726058"/>
+            <a:ext cx="6096000" cy="3416320"/>
+          </a:xfrm>
+          <a:prstGeom prst="rect">
+            <a:avLst/>
+          </a:prstGeom>
+        </p:spPr>
+        <p:txBody>
+          <a:bodyPr>
+            <a:spAutoFit/>
+          </a:bodyPr>
           <a:lstStyle/>
           <a:p>
             <a:r>
               <a:rPr lang="de-DE" dirty="0"/>
-              <a:t>https://ajaxcontroltoolkit.codeplex.com/</a:t>
+              <a:t> </a:t>
+            </a:r>
+            <a:r>
+              <a:rPr lang="de-DE" dirty="0" err="1"/>
+              <a:t>function</a:t>
+            </a:r>
+            <a:r>
+              <a:rPr lang="de-DE" dirty="0"/>
+              <a:t> </a:t>
+            </a:r>
+            <a:r>
+              <a:rPr lang="de-DE" dirty="0" err="1"/>
+              <a:t>refresh</a:t>
+            </a:r>
+            <a:r>
+              <a:rPr lang="de-DE" dirty="0"/>
+              <a:t>() {</a:t>
+            </a:r>
+          </a:p>
+          <a:p>
+            <a:r>
+              <a:rPr lang="de-DE" dirty="0"/>
+              <a:t>            $.</a:t>
+            </a:r>
+            <a:r>
+              <a:rPr lang="de-DE" dirty="0" err="1"/>
+              <a:t>ajax</a:t>
+            </a:r>
+            <a:r>
+              <a:rPr lang="de-DE" dirty="0"/>
+              <a:t>(</a:t>
+            </a:r>
+          </a:p>
+          <a:p>
+            <a:r>
+              <a:rPr lang="de-DE" dirty="0"/>
+              <a:t>                {</a:t>
+            </a:r>
+          </a:p>
+          <a:p>
+            <a:r>
+              <a:rPr lang="de-DE" dirty="0"/>
+              <a:t>                    type: "POST",</a:t>
+            </a:r>
+          </a:p>
+          <a:p>
+            <a:r>
+              <a:rPr lang="de-DE" dirty="0"/>
+              <a:t>                    url: "zeit",</a:t>
+            </a:r>
+          </a:p>
+          <a:p>
+            <a:r>
+              <a:rPr lang="de-DE" dirty="0"/>
+              <a:t>                    </a:t>
+            </a:r>
+            <a:r>
+              <a:rPr lang="de-DE" dirty="0" err="1"/>
+              <a:t>success</a:t>
+            </a:r>
+            <a:r>
+              <a:rPr lang="de-DE" dirty="0"/>
+              <a:t>: </a:t>
+            </a:r>
+            <a:r>
+              <a:rPr lang="de-DE" dirty="0" err="1"/>
+              <a:t>function</a:t>
+            </a:r>
+            <a:r>
+              <a:rPr lang="de-DE" dirty="0"/>
+              <a:t> (</a:t>
+            </a:r>
+            <a:r>
+              <a:rPr lang="de-DE" dirty="0" err="1"/>
+              <a:t>result</a:t>
+            </a:r>
+            <a:r>
+              <a:rPr lang="de-DE" dirty="0"/>
+              <a:t>) {</a:t>
+            </a:r>
+          </a:p>
+          <a:p>
+            <a:r>
+              <a:rPr lang="de-DE" dirty="0"/>
+              <a:t>                        $('#label1').</a:t>
+            </a:r>
+            <a:r>
+              <a:rPr lang="de-DE" dirty="0" err="1"/>
+              <a:t>text</a:t>
+            </a:r>
+            <a:r>
+              <a:rPr lang="de-DE" dirty="0"/>
+              <a:t>(</a:t>
+            </a:r>
+            <a:r>
+              <a:rPr lang="de-DE" dirty="0" err="1"/>
+              <a:t>result</a:t>
+            </a:r>
+            <a:r>
+              <a:rPr lang="de-DE" dirty="0"/>
+              <a:t>);</a:t>
+            </a:r>
+          </a:p>
+          <a:p>
+            <a:r>
+              <a:rPr lang="de-DE" dirty="0"/>
+              <a:t>                    }</a:t>
+            </a:r>
+          </a:p>
+          <a:p>
+            <a:r>
+              <a:rPr lang="de-DE" dirty="0"/>
+              <a:t>                }</a:t>
+            </a:r>
+          </a:p>
+          <a:p>
+            <a:r>
+              <a:rPr lang="de-DE" dirty="0"/>
+              <a:t>            );</a:t>
+            </a:r>
+          </a:p>
+          <a:p>
+            <a:endParaRPr lang="de-DE" dirty="0"/>
+          </a:p>
+          <a:p>
+            <a:r>
+              <a:rPr lang="de-DE" dirty="0"/>
+              <a:t>        }</a:t>
             </a:r>
           </a:p>
         </p:txBody>
@@ -9536,7 +9695,7 @@
     </p:spTree>
     <p:extLst>
       <p:ext uri="{BB962C8B-B14F-4D97-AF65-F5344CB8AC3E}">
-        <p14:creationId xmlns:p14="http://schemas.microsoft.com/office/powerpoint/2010/main" val="885690343"/>
+        <p14:creationId xmlns:p14="http://schemas.microsoft.com/office/powerpoint/2010/main" val="3918844911"/>
       </p:ext>
     </p:extLst>
   </p:cSld>

--- a/12Ajax-Enabled.pptx
+++ b/12Ajax-Enabled.pptx
@@ -5,7 +5,7 @@
     <p:sldMasterId id="2147483684" r:id="rId1"/>
   </p:sldMasterIdLst>
   <p:notesMasterIdLst>
-    <p:notesMasterId r:id="rId9"/>
+    <p:notesMasterId r:id="rId10"/>
   </p:notesMasterIdLst>
   <p:sldIdLst>
     <p:sldId id="256" r:id="rId2"/>
@@ -15,6 +15,7 @@
     <p:sldId id="261" r:id="rId6"/>
     <p:sldId id="268" r:id="rId7"/>
     <p:sldId id="269" r:id="rId8"/>
+    <p:sldId id="270" r:id="rId9"/>
   </p:sldIdLst>
   <p:sldSz cx="12192000" cy="6858000"/>
   <p:notesSz cx="6858000" cy="9144000"/>
@@ -203,7 +204,7 @@
           <a:p>
             <a:fld id="{86035F98-A1BD-4CEA-97BE-8B0B3D35457A}" type="datetimeFigureOut">
               <a:rPr lang="de-DE" smtClean="0"/>
-              <a:t>07.06.2018</a:t>
+              <a:t>08.06.2018</a:t>
             </a:fld>
             <a:endParaRPr lang="de-DE"/>
           </a:p>
@@ -3216,7 +3217,7 @@
           <a:p>
             <a:fld id="{D92B96C3-1F42-476F-BF68-0478C74608EE}" type="datetimeFigureOut">
               <a:rPr lang="de-DE" smtClean="0"/>
-              <a:t>07.06.2018</a:t>
+              <a:t>08.06.2018</a:t>
             </a:fld>
             <a:endParaRPr lang="de-DE"/>
           </a:p>
@@ -3384,7 +3385,7 @@
           <a:p>
             <a:fld id="{D92B96C3-1F42-476F-BF68-0478C74608EE}" type="datetimeFigureOut">
               <a:rPr lang="de-DE" smtClean="0"/>
-              <a:t>07.06.2018</a:t>
+              <a:t>08.06.2018</a:t>
             </a:fld>
             <a:endParaRPr lang="de-DE"/>
           </a:p>
@@ -3562,7 +3563,7 @@
           <a:p>
             <a:fld id="{D92B96C3-1F42-476F-BF68-0478C74608EE}" type="datetimeFigureOut">
               <a:rPr lang="de-DE" smtClean="0"/>
-              <a:t>07.06.2018</a:t>
+              <a:t>08.06.2018</a:t>
             </a:fld>
             <a:endParaRPr lang="de-DE"/>
           </a:p>
@@ -3730,7 +3731,7 @@
           <a:p>
             <a:fld id="{D92B96C3-1F42-476F-BF68-0478C74608EE}" type="datetimeFigureOut">
               <a:rPr lang="de-DE" smtClean="0"/>
-              <a:t>07.06.2018</a:t>
+              <a:t>08.06.2018</a:t>
             </a:fld>
             <a:endParaRPr lang="de-DE"/>
           </a:p>
@@ -3975,7 +3976,7 @@
           <a:p>
             <a:fld id="{D92B96C3-1F42-476F-BF68-0478C74608EE}" type="datetimeFigureOut">
               <a:rPr lang="de-DE" smtClean="0"/>
-              <a:t>07.06.2018</a:t>
+              <a:t>08.06.2018</a:t>
             </a:fld>
             <a:endParaRPr lang="de-DE"/>
           </a:p>
@@ -4204,7 +4205,7 @@
           <a:p>
             <a:fld id="{D92B96C3-1F42-476F-BF68-0478C74608EE}" type="datetimeFigureOut">
               <a:rPr lang="de-DE" smtClean="0"/>
-              <a:t>07.06.2018</a:t>
+              <a:t>08.06.2018</a:t>
             </a:fld>
             <a:endParaRPr lang="de-DE"/>
           </a:p>
@@ -4568,7 +4569,7 @@
           <a:p>
             <a:fld id="{D92B96C3-1F42-476F-BF68-0478C74608EE}" type="datetimeFigureOut">
               <a:rPr lang="de-DE" smtClean="0"/>
-              <a:t>07.06.2018</a:t>
+              <a:t>08.06.2018</a:t>
             </a:fld>
             <a:endParaRPr lang="de-DE"/>
           </a:p>
@@ -4685,7 +4686,7 @@
           <a:p>
             <a:fld id="{D92B96C3-1F42-476F-BF68-0478C74608EE}" type="datetimeFigureOut">
               <a:rPr lang="de-DE" smtClean="0"/>
-              <a:t>07.06.2018</a:t>
+              <a:t>08.06.2018</a:t>
             </a:fld>
             <a:endParaRPr lang="de-DE"/>
           </a:p>
@@ -4780,7 +4781,7 @@
           <a:p>
             <a:fld id="{D92B96C3-1F42-476F-BF68-0478C74608EE}" type="datetimeFigureOut">
               <a:rPr lang="de-DE" smtClean="0"/>
-              <a:t>07.06.2018</a:t>
+              <a:t>08.06.2018</a:t>
             </a:fld>
             <a:endParaRPr lang="de-DE"/>
           </a:p>
@@ -5055,7 +5056,7 @@
           <a:p>
             <a:fld id="{D92B96C3-1F42-476F-BF68-0478C74608EE}" type="datetimeFigureOut">
               <a:rPr lang="de-DE" smtClean="0"/>
-              <a:t>07.06.2018</a:t>
+              <a:t>08.06.2018</a:t>
             </a:fld>
             <a:endParaRPr lang="de-DE"/>
           </a:p>
@@ -5307,7 +5308,7 @@
           <a:p>
             <a:fld id="{D92B96C3-1F42-476F-BF68-0478C74608EE}" type="datetimeFigureOut">
               <a:rPr lang="de-DE" smtClean="0"/>
-              <a:t>07.06.2018</a:t>
+              <a:t>08.06.2018</a:t>
             </a:fld>
             <a:endParaRPr lang="de-DE"/>
           </a:p>
@@ -5518,7 +5519,7 @@
           <a:p>
             <a:fld id="{D92B96C3-1F42-476F-BF68-0478C74608EE}" type="datetimeFigureOut">
               <a:rPr lang="de-DE" smtClean="0"/>
-              <a:t>07.06.2018</a:t>
+              <a:t>08.06.2018</a:t>
             </a:fld>
             <a:endParaRPr lang="de-DE"/>
           </a:p>
@@ -9696,6 +9697,168 @@
     <p:extLst>
       <p:ext uri="{BB962C8B-B14F-4D97-AF65-F5344CB8AC3E}">
         <p14:creationId xmlns:p14="http://schemas.microsoft.com/office/powerpoint/2010/main" val="3918844911"/>
+      </p:ext>
+    </p:extLst>
+  </p:cSld>
+  <p:clrMapOvr>
+    <a:masterClrMapping/>
+  </p:clrMapOvr>
+  <p:timing>
+    <p:tnLst>
+      <p:par>
+        <p:cTn id="1" dur="indefinite" restart="never" nodeType="tmRoot"/>
+      </p:par>
+    </p:tnLst>
+  </p:timing>
+</p:sld>
+</file>
+
+<file path=ppt/slides/slide8.xml><?xml version="1.0" encoding="utf-8"?>
+<p:sld xmlns:a="http://schemas.openxmlformats.org/drawingml/2006/main" xmlns:r="http://schemas.openxmlformats.org/officeDocument/2006/relationships" xmlns:p="http://schemas.openxmlformats.org/presentationml/2006/main">
+  <p:cSld>
+    <p:spTree>
+      <p:nvGrpSpPr>
+        <p:cNvPr id="1" name=""/>
+        <p:cNvGrpSpPr/>
+        <p:nvPr/>
+      </p:nvGrpSpPr>
+      <p:grpSpPr>
+        <a:xfrm>
+          <a:off x="0" y="0"/>
+          <a:ext cx="0" cy="0"/>
+          <a:chOff x="0" y="0"/>
+          <a:chExt cx="0" cy="0"/>
+        </a:xfrm>
+      </p:grpSpPr>
+      <p:sp>
+        <p:nvSpPr>
+          <p:cNvPr id="2" name="Titel 1"/>
+          <p:cNvSpPr>
+            <a:spLocks noGrp="1"/>
+          </p:cNvSpPr>
+          <p:nvPr>
+            <p:ph type="title"/>
+          </p:nvPr>
+        </p:nvSpPr>
+        <p:spPr/>
+        <p:txBody>
+          <a:bodyPr/>
+          <a:lstStyle/>
+          <a:p>
+            <a:r>
+              <a:rPr lang="de-DE" dirty="0" smtClean="0"/>
+              <a:t>Übung	</a:t>
+            </a:r>
+            <a:endParaRPr lang="de-DE" dirty="0"/>
+          </a:p>
+        </p:txBody>
+      </p:sp>
+      <p:sp>
+        <p:nvSpPr>
+          <p:cNvPr id="3" name="Inhaltsplatzhalter 2"/>
+          <p:cNvSpPr>
+            <a:spLocks noGrp="1"/>
+          </p:cNvSpPr>
+          <p:nvPr>
+            <p:ph idx="1"/>
+          </p:nvPr>
+        </p:nvSpPr>
+        <p:spPr/>
+        <p:txBody>
+          <a:bodyPr/>
+          <a:lstStyle/>
+          <a:p>
+            <a:r>
+              <a:rPr lang="de-DE" dirty="0" smtClean="0"/>
+              <a:t>Rest Service konsumieren</a:t>
+            </a:r>
+          </a:p>
+          <a:p>
+            <a:pPr lvl="1"/>
+            <a:r>
+              <a:rPr lang="de-DE" dirty="0">
+                <a:hlinkClick r:id="rId2"/>
+              </a:rPr>
+              <a:t>https://</a:t>
+            </a:r>
+            <a:r>
+              <a:rPr lang="de-DE" dirty="0" smtClean="0">
+                <a:hlinkClick r:id="rId2"/>
+              </a:rPr>
+              <a:t>api.e-control.at/sprit/1.0/search/gas-stations/by-region?code=9&amp;type=BL&amp;fuelType=DIE&amp;includeClosed=false</a:t>
+            </a:r>
+            <a:endParaRPr lang="de-DE" dirty="0" smtClean="0"/>
+          </a:p>
+          <a:p>
+            <a:r>
+              <a:rPr lang="de-DE" dirty="0" smtClean="0"/>
+              <a:t>Header</a:t>
+            </a:r>
+          </a:p>
+          <a:p>
+            <a:pPr lvl="1"/>
+            <a:r>
+              <a:rPr lang="de-DE" dirty="0" err="1"/>
+              <a:t>Accept</a:t>
+            </a:r>
+            <a:r>
+              <a:rPr lang="de-DE" dirty="0"/>
+              <a:t>: </a:t>
+            </a:r>
+            <a:r>
+              <a:rPr lang="de-DE" dirty="0" err="1"/>
+              <a:t>application</a:t>
+            </a:r>
+            <a:r>
+              <a:rPr lang="de-DE" dirty="0"/>
+              <a:t>/json, </a:t>
+            </a:r>
+            <a:r>
+              <a:rPr lang="de-DE" dirty="0" err="1"/>
+              <a:t>text</a:t>
+            </a:r>
+            <a:r>
+              <a:rPr lang="de-DE" dirty="0"/>
+              <a:t>/</a:t>
+            </a:r>
+            <a:r>
+              <a:rPr lang="de-DE" dirty="0" err="1"/>
+              <a:t>plain</a:t>
+            </a:r>
+            <a:r>
+              <a:rPr lang="de-DE" dirty="0"/>
+              <a:t>, </a:t>
+            </a:r>
+            <a:r>
+              <a:rPr lang="de-DE" dirty="0" smtClean="0"/>
+              <a:t>*/*</a:t>
+            </a:r>
+          </a:p>
+          <a:p>
+            <a:r>
+              <a:rPr lang="de-DE" smtClean="0"/>
+              <a:t>Paste JSON </a:t>
+            </a:r>
+            <a:r>
+              <a:rPr lang="de-DE" dirty="0" err="1" smtClean="0"/>
+              <a:t>as</a:t>
+            </a:r>
+            <a:r>
+              <a:rPr lang="de-DE" dirty="0" smtClean="0"/>
+              <a:t> </a:t>
+            </a:r>
+            <a:r>
+              <a:rPr lang="de-DE" dirty="0" err="1" smtClean="0"/>
+              <a:t>classes</a:t>
+            </a:r>
+            <a:endParaRPr lang="de-DE" dirty="0"/>
+          </a:p>
+        </p:txBody>
+      </p:sp>
+    </p:spTree>
+    <p:extLst>
+      <p:ext uri="{BB962C8B-B14F-4D97-AF65-F5344CB8AC3E}">
+        <p14:creationId xmlns:p14="http://schemas.microsoft.com/office/powerpoint/2010/main" val="2131586762"/>
       </p:ext>
     </p:extLst>
   </p:cSld>
